--- a/_site/posts/support/introR_seance1_diapo.pptx
+++ b/_site/posts/support/introR_seance1_diapo.pptx
@@ -271,7 +271,7 @@
           <a:p>
             <a:fld id="{060070BA-D981-453C-88FB-90C1C4294356}" type="datetimeFigureOut">
               <a:rPr lang="en-US" smtClean="0"/>
-              <a:t>12/1/2022</a:t>
+              <a:t>12/5/2022</a:t>
             </a:fld>
             <a:endParaRPr lang="en-US"/>
           </a:p>
@@ -686,7 +686,7 @@
           <a:p>
             <a:fld id="{75471FDE-17E2-44CE-B91E-579E290F8C10}" type="datetime1">
               <a:rPr lang="fr-FR" smtClean="0"/>
-              <a:t>01/12/2022</a:t>
+              <a:t>05/12/2022</a:t>
             </a:fld>
             <a:endParaRPr lang="fr-FR"/>
           </a:p>
@@ -884,7 +884,7 @@
           <a:p>
             <a:fld id="{E1172CA5-E4F8-4D05-A38A-17AB891B71E4}" type="datetime1">
               <a:rPr lang="fr-FR" smtClean="0"/>
-              <a:t>01/12/2022</a:t>
+              <a:t>05/12/2022</a:t>
             </a:fld>
             <a:endParaRPr lang="fr-FR"/>
           </a:p>
@@ -1092,7 +1092,7 @@
           <a:p>
             <a:fld id="{5755CB01-9679-4468-9FFB-4BA61035B742}" type="datetime1">
               <a:rPr lang="fr-FR" smtClean="0"/>
-              <a:t>01/12/2022</a:t>
+              <a:t>05/12/2022</a:t>
             </a:fld>
             <a:endParaRPr lang="fr-FR"/>
           </a:p>
@@ -1290,7 +1290,7 @@
           <a:p>
             <a:fld id="{98D1BB4C-302A-4AE6-8A24-F33083412002}" type="datetime1">
               <a:rPr lang="fr-FR" smtClean="0"/>
-              <a:t>01/12/2022</a:t>
+              <a:t>05/12/2022</a:t>
             </a:fld>
             <a:endParaRPr lang="fr-FR"/>
           </a:p>
@@ -1565,7 +1565,7 @@
           <a:p>
             <a:fld id="{CB19C878-9EF5-4608-9DFF-89116A9E78D1}" type="datetime1">
               <a:rPr lang="fr-FR" smtClean="0"/>
-              <a:t>01/12/2022</a:t>
+              <a:t>05/12/2022</a:t>
             </a:fld>
             <a:endParaRPr lang="fr-FR"/>
           </a:p>
@@ -1830,7 +1830,7 @@
           <a:p>
             <a:fld id="{EA6E4556-9037-4E1A-BCD6-13C89504CD3C}" type="datetime1">
               <a:rPr lang="fr-FR" smtClean="0"/>
-              <a:t>01/12/2022</a:t>
+              <a:t>05/12/2022</a:t>
             </a:fld>
             <a:endParaRPr lang="fr-FR"/>
           </a:p>
@@ -2242,7 +2242,7 @@
           <a:p>
             <a:fld id="{5BB5B043-8F25-4099-AC50-69BFFCEA0C9B}" type="datetime1">
               <a:rPr lang="fr-FR" smtClean="0"/>
-              <a:t>01/12/2022</a:t>
+              <a:t>05/12/2022</a:t>
             </a:fld>
             <a:endParaRPr lang="fr-FR"/>
           </a:p>
@@ -2383,7 +2383,7 @@
           <a:p>
             <a:fld id="{83EC9A31-7485-4B71-8742-8209A0F0A3D8}" type="datetime1">
               <a:rPr lang="fr-FR" smtClean="0"/>
-              <a:t>01/12/2022</a:t>
+              <a:t>05/12/2022</a:t>
             </a:fld>
             <a:endParaRPr lang="fr-FR"/>
           </a:p>
@@ -2496,7 +2496,7 @@
           <a:p>
             <a:fld id="{87208B5D-03D4-4CEF-B5DB-61263A41344B}" type="datetime1">
               <a:rPr lang="fr-FR" smtClean="0"/>
-              <a:t>01/12/2022</a:t>
+              <a:t>05/12/2022</a:t>
             </a:fld>
             <a:endParaRPr lang="fr-FR"/>
           </a:p>
@@ -2807,7 +2807,7 @@
           <a:p>
             <a:fld id="{011B53E4-0ACB-4966-A517-AA2B332B58EE}" type="datetime1">
               <a:rPr lang="fr-FR" smtClean="0"/>
-              <a:t>01/12/2022</a:t>
+              <a:t>05/12/2022</a:t>
             </a:fld>
             <a:endParaRPr lang="fr-FR"/>
           </a:p>
@@ -3095,7 +3095,7 @@
           <a:p>
             <a:fld id="{141DD7D7-DBA5-4130-8A1B-D2D659CB24BE}" type="datetime1">
               <a:rPr lang="fr-FR" smtClean="0"/>
-              <a:t>01/12/2022</a:t>
+              <a:t>05/12/2022</a:t>
             </a:fld>
             <a:endParaRPr lang="fr-FR"/>
           </a:p>
@@ -3336,7 +3336,7 @@
           <a:p>
             <a:fld id="{AE10A252-D26B-4D0D-927A-08FAD493402C}" type="datetime1">
               <a:rPr lang="fr-FR" smtClean="0"/>
-              <a:t>01/12/2022</a:t>
+              <a:t>05/12/2022</a:t>
             </a:fld>
             <a:endParaRPr lang="fr-FR"/>
           </a:p>
@@ -3772,8 +3772,8 @@
         </p:nvSpPr>
         <p:spPr>
           <a:xfrm>
-            <a:off x="2695194" y="4044634"/>
-            <a:ext cx="6801612" cy="1239894"/>
+            <a:off x="2689102" y="4323438"/>
+            <a:ext cx="6801612" cy="1248214"/>
           </a:xfrm>
         </p:spPr>
         <p:txBody>
@@ -3781,18 +3781,6 @@
             <a:normAutofit/>
           </a:bodyPr>
           <a:lstStyle/>
-          <a:p>
-            <a:r>
-              <a:rPr lang="fr-FR" dirty="0">
-                <a:solidFill>
-                  <a:srgbClr val="125D4A"/>
-                </a:solidFill>
-                <a:latin typeface="Arial"/>
-                <a:cs typeface="Arial"/>
-              </a:rPr>
-              <a:t>Séance 1 d’introduction</a:t>
-            </a:r>
-          </a:p>
           <a:p>
             <a:r>
               <a:rPr lang="fr-FR" dirty="0">
@@ -3824,6 +3812,28 @@
           </a:p>
           <a:p>
             <a:r>
+              <a:rPr lang="fr-FR" sz="2100" i="1" dirty="0" err="1">
+                <a:solidFill>
+                  <a:srgbClr val="125D4A"/>
+                </a:solidFill>
+                <a:latin typeface="Arial"/>
+                <a:cs typeface="Arial"/>
+              </a:rPr>
+              <a:t>Joséphin</a:t>
+            </a:r>
+            <a:r>
+              <a:rPr lang="fr-FR" sz="2100" i="1" dirty="0">
+                <a:solidFill>
+                  <a:srgbClr val="125D4A"/>
+                </a:solidFill>
+                <a:latin typeface="Arial"/>
+                <a:cs typeface="Arial"/>
+              </a:rPr>
+              <a:t> Béraud, Léa Christophe, Aurélie Douet</a:t>
+            </a:r>
+          </a:p>
+          <a:p>
+            <a:r>
               <a:rPr lang="fr-FR" sz="1400" dirty="0">
                 <a:solidFill>
                   <a:srgbClr val="125D4A"/>
@@ -3887,7 +3897,7 @@
         <p:spPr>
           <a:xfrm>
             <a:off x="281574" y="2505670"/>
-            <a:ext cx="11577633" cy="923330"/>
+            <a:ext cx="11577633" cy="1415772"/>
           </a:xfrm>
           <a:prstGeom prst="rect">
             <a:avLst/>
@@ -3910,6 +3920,19 @@
                 <a:cs typeface="Arial" panose="020B0604020202020204" pitchFamily="34" charset="0"/>
               </a:rPr>
               <a:t>Initiation au langage R</a:t>
+            </a:r>
+          </a:p>
+          <a:p>
+            <a:pPr algn="ctr"/>
+            <a:r>
+              <a:rPr lang="fr-FR" sz="3200" dirty="0">
+                <a:solidFill>
+                  <a:srgbClr val="125D4A"/>
+                </a:solidFill>
+                <a:latin typeface="Arial"/>
+                <a:cs typeface="Arial"/>
+              </a:rPr>
+              <a:t>Séance 1 d’introduction</a:t>
             </a:r>
           </a:p>
         </p:txBody>
@@ -5463,6 +5486,78 @@
           <a:xfrm>
             <a:off x="260223" y="653453"/>
             <a:ext cx="10721813" cy="5791344"/>
+          </a:xfrm>
+          <a:prstGeom prst="rect">
+            <a:avLst/>
+          </a:prstGeom>
+        </p:spPr>
+      </p:pic>
+      <p:pic>
+        <p:nvPicPr>
+          <p:cNvPr id="6" name="Image 5">
+            <a:extLst>
+              <a:ext uri="{FF2B5EF4-FFF2-40B4-BE49-F238E27FC236}">
+                <a16:creationId xmlns:a16="http://schemas.microsoft.com/office/drawing/2014/main" id="{DB0313D8-74DD-4E36-9B83-8E4817F422F9}"/>
+              </a:ext>
+            </a:extLst>
+          </p:cNvPr>
+          <p:cNvPicPr>
+            <a:picLocks noChangeAspect="1"/>
+          </p:cNvPicPr>
+          <p:nvPr/>
+        </p:nvPicPr>
+        <p:blipFill>
+          <a:blip r:embed="rId2">
+            <a:extLst>
+              <a:ext uri="{28A0092B-C50C-407E-A947-70E740481C1C}">
+                <a14:useLocalDpi xmlns:a14="http://schemas.microsoft.com/office/drawing/2010/main" val="0"/>
+              </a:ext>
+            </a:extLst>
+          </a:blip>
+          <a:stretch>
+            <a:fillRect/>
+          </a:stretch>
+        </p:blipFill>
+        <p:spPr>
+          <a:xfrm>
+            <a:off x="4726966" y="737352"/>
+            <a:ext cx="5578921" cy="5806943"/>
+          </a:xfrm>
+          <a:prstGeom prst="rect">
+            <a:avLst/>
+          </a:prstGeom>
+        </p:spPr>
+      </p:pic>
+      <p:pic>
+        <p:nvPicPr>
+          <p:cNvPr id="10" name="Image 9">
+            <a:extLst>
+              <a:ext uri="{FF2B5EF4-FFF2-40B4-BE49-F238E27FC236}">
+                <a16:creationId xmlns:a16="http://schemas.microsoft.com/office/drawing/2014/main" id="{6525AC8D-17FA-46A9-8590-C2BD6B9C67B5}"/>
+              </a:ext>
+            </a:extLst>
+          </p:cNvPr>
+          <p:cNvPicPr>
+            <a:picLocks noChangeAspect="1"/>
+          </p:cNvPicPr>
+          <p:nvPr/>
+        </p:nvPicPr>
+        <p:blipFill>
+          <a:blip r:embed="rId3">
+            <a:extLst>
+              <a:ext uri="{28A0092B-C50C-407E-A947-70E740481C1C}">
+                <a14:useLocalDpi xmlns:a14="http://schemas.microsoft.com/office/drawing/2010/main" val="0"/>
+              </a:ext>
+            </a:extLst>
+          </a:blip>
+          <a:stretch>
+            <a:fillRect/>
+          </a:stretch>
+        </p:blipFill>
+        <p:spPr>
+          <a:xfrm>
+            <a:off x="8229448" y="3573495"/>
+            <a:ext cx="3505504" cy="3284505"/>
           </a:xfrm>
           <a:prstGeom prst="rect">
             <a:avLst/>
@@ -5800,6 +5895,94 @@
           </a:prstGeom>
         </p:spPr>
       </p:pic>
+      <p:pic>
+        <p:nvPicPr>
+          <p:cNvPr id="5" name="Image 4">
+            <a:extLst>
+              <a:ext uri="{FF2B5EF4-FFF2-40B4-BE49-F238E27FC236}">
+                <a16:creationId xmlns:a16="http://schemas.microsoft.com/office/drawing/2014/main" id="{278C1E02-FCC9-44C7-831C-A0BF48DCCC7A}"/>
+              </a:ext>
+            </a:extLst>
+          </p:cNvPr>
+          <p:cNvPicPr>
+            <a:picLocks noChangeAspect="1"/>
+          </p:cNvPicPr>
+          <p:nvPr/>
+        </p:nvPicPr>
+        <p:blipFill>
+          <a:blip r:embed="rId2">
+            <a:extLst>
+              <a:ext uri="{28A0092B-C50C-407E-A947-70E740481C1C}">
+                <a14:useLocalDpi xmlns:a14="http://schemas.microsoft.com/office/drawing/2010/main" val="0"/>
+              </a:ext>
+            </a:extLst>
+          </a:blip>
+          <a:stretch>
+            <a:fillRect/>
+          </a:stretch>
+        </p:blipFill>
+        <p:spPr>
+          <a:xfrm>
+            <a:off x="4722118" y="822398"/>
+            <a:ext cx="5585944" cy="5806943"/>
+          </a:xfrm>
+          <a:prstGeom prst="rect">
+            <a:avLst/>
+          </a:prstGeom>
+        </p:spPr>
+      </p:pic>
+      <p:sp>
+        <p:nvSpPr>
+          <p:cNvPr id="9" name="Rectangle 8">
+            <a:extLst>
+              <a:ext uri="{FF2B5EF4-FFF2-40B4-BE49-F238E27FC236}">
+                <a16:creationId xmlns:a16="http://schemas.microsoft.com/office/drawing/2014/main" id="{4AF4EEF4-F94A-479F-87BF-3EFFC229F675}"/>
+              </a:ext>
+            </a:extLst>
+          </p:cNvPr>
+          <p:cNvSpPr/>
+          <p:nvPr/>
+        </p:nvSpPr>
+        <p:spPr>
+          <a:xfrm>
+            <a:off x="6096000" y="3539145"/>
+            <a:ext cx="198268" cy="180599"/>
+          </a:xfrm>
+          <a:prstGeom prst="rect">
+            <a:avLst/>
+          </a:prstGeom>
+          <a:noFill/>
+          <a:ln w="28575">
+            <a:solidFill>
+              <a:srgbClr val="125D4A"/>
+            </a:solidFill>
+          </a:ln>
+        </p:spPr>
+        <p:style>
+          <a:lnRef idx="2">
+            <a:schemeClr val="accent1">
+              <a:shade val="50000"/>
+            </a:schemeClr>
+          </a:lnRef>
+          <a:fillRef idx="1">
+            <a:schemeClr val="accent1"/>
+          </a:fillRef>
+          <a:effectRef idx="0">
+            <a:schemeClr val="accent1"/>
+          </a:effectRef>
+          <a:fontRef idx="minor">
+            <a:schemeClr val="lt1"/>
+          </a:fontRef>
+        </p:style>
+        <p:txBody>
+          <a:bodyPr rtlCol="0" anchor="ctr"/>
+          <a:lstStyle/>
+          <a:p>
+            <a:pPr algn="ctr"/>
+            <a:endParaRPr lang="fr-FR"/>
+          </a:p>
+        </p:txBody>
+      </p:sp>
     </p:spTree>
     <p:extLst>
       <p:ext uri="{BB962C8B-B14F-4D97-AF65-F5344CB8AC3E}">
@@ -6103,6 +6286,42 @@
           <a:xfrm>
             <a:off x="260224" y="653453"/>
             <a:ext cx="10786468" cy="5826267"/>
+          </a:xfrm>
+          <a:prstGeom prst="rect">
+            <a:avLst/>
+          </a:prstGeom>
+        </p:spPr>
+      </p:pic>
+      <p:pic>
+        <p:nvPicPr>
+          <p:cNvPr id="5" name="Image 4">
+            <a:extLst>
+              <a:ext uri="{FF2B5EF4-FFF2-40B4-BE49-F238E27FC236}">
+                <a16:creationId xmlns:a16="http://schemas.microsoft.com/office/drawing/2014/main" id="{76CA0366-CBA7-4967-BEAB-F0A3F14C2B9C}"/>
+              </a:ext>
+            </a:extLst>
+          </p:cNvPr>
+          <p:cNvPicPr>
+            <a:picLocks noChangeAspect="1"/>
+          </p:cNvPicPr>
+          <p:nvPr/>
+        </p:nvPicPr>
+        <p:blipFill>
+          <a:blip r:embed="rId2">
+            <a:extLst>
+              <a:ext uri="{28A0092B-C50C-407E-A947-70E740481C1C}">
+                <a14:useLocalDpi xmlns:a14="http://schemas.microsoft.com/office/drawing/2010/main" val="0"/>
+              </a:ext>
+            </a:extLst>
+          </a:blip>
+          <a:stretch>
+            <a:fillRect/>
+          </a:stretch>
+        </p:blipFill>
+        <p:spPr>
+          <a:xfrm>
+            <a:off x="4767844" y="716727"/>
+            <a:ext cx="5585944" cy="5822185"/>
           </a:xfrm>
           <a:prstGeom prst="rect">
             <a:avLst/>
@@ -6412,6 +6631,42 @@
           <a:xfrm>
             <a:off x="260223" y="653453"/>
             <a:ext cx="10758759" cy="5811300"/>
+          </a:xfrm>
+          <a:prstGeom prst="rect">
+            <a:avLst/>
+          </a:prstGeom>
+        </p:spPr>
+      </p:pic>
+      <p:pic>
+        <p:nvPicPr>
+          <p:cNvPr id="5" name="Image 4">
+            <a:extLst>
+              <a:ext uri="{FF2B5EF4-FFF2-40B4-BE49-F238E27FC236}">
+                <a16:creationId xmlns:a16="http://schemas.microsoft.com/office/drawing/2014/main" id="{0E322411-F1DC-41BC-962E-F5E8048CFE89}"/>
+              </a:ext>
+            </a:extLst>
+          </p:cNvPr>
+          <p:cNvPicPr>
+            <a:picLocks noChangeAspect="1"/>
+          </p:cNvPicPr>
+          <p:nvPr/>
+        </p:nvPicPr>
+        <p:blipFill>
+          <a:blip r:embed="rId2">
+            <a:extLst>
+              <a:ext uri="{28A0092B-C50C-407E-A947-70E740481C1C}">
+                <a14:useLocalDpi xmlns:a14="http://schemas.microsoft.com/office/drawing/2010/main" val="0"/>
+              </a:ext>
+            </a:extLst>
+          </a:blip>
+          <a:stretch>
+            <a:fillRect/>
+          </a:stretch>
+        </p:blipFill>
+        <p:spPr>
+          <a:xfrm>
+            <a:off x="4751232" y="792482"/>
+            <a:ext cx="5570703" cy="5814564"/>
           </a:xfrm>
           <a:prstGeom prst="rect">
             <a:avLst/>
@@ -13943,8 +14198,8 @@
         </p:nvSpPr>
         <p:spPr>
           <a:xfrm>
-            <a:off x="9253720" y="901191"/>
-            <a:ext cx="2595006" cy="954107"/>
+            <a:off x="9827580" y="901191"/>
+            <a:ext cx="2021145" cy="2677656"/>
           </a:xfrm>
           <a:prstGeom prst="rect">
             <a:avLst/>
@@ -14062,6 +14317,13 @@
           </a:p>
           <a:p>
             <a:pPr algn="r"/>
+            <a:endParaRPr lang="fr-FR" sz="1400" dirty="0">
+              <a:latin typeface="Arial"/>
+              <a:cs typeface="Arial"/>
+            </a:endParaRPr>
+          </a:p>
+          <a:p>
+            <a:pPr algn="r"/>
             <a:r>
               <a:rPr lang="fr-FR" sz="1400" dirty="0">
                 <a:latin typeface="Arial"/>
@@ -14070,35 +14332,13 @@
               <a:t>Insérer l’opérateur d’assignation : alt+-</a:t>
             </a:r>
           </a:p>
-        </p:txBody>
-      </p:sp>
-      <p:sp>
-        <p:nvSpPr>
-          <p:cNvPr id="2" name="ZoneTexte 1">
-            <a:extLst>
-              <a:ext uri="{FF2B5EF4-FFF2-40B4-BE49-F238E27FC236}">
-                <a16:creationId xmlns:a16="http://schemas.microsoft.com/office/drawing/2014/main" id="{F19F0534-589C-4A29-8C4B-7A21D42442BF}"/>
-              </a:ext>
-            </a:extLst>
-          </p:cNvPr>
-          <p:cNvSpPr txBox="1"/>
-          <p:nvPr/>
-        </p:nvSpPr>
-        <p:spPr>
-          <a:xfrm>
-            <a:off x="9866042" y="1786640"/>
-            <a:ext cx="1982684" cy="523220"/>
-          </a:xfrm>
-          <a:prstGeom prst="rect">
-            <a:avLst/>
-          </a:prstGeom>
-          <a:noFill/>
-        </p:spPr>
-        <p:txBody>
-          <a:bodyPr wrap="square" rtlCol="0">
-            <a:spAutoFit/>
-          </a:bodyPr>
-          <a:lstStyle/>
+          <a:p>
+            <a:pPr algn="r"/>
+            <a:endParaRPr lang="fr-FR" sz="1400" dirty="0">
+              <a:latin typeface="Arial"/>
+              <a:cs typeface="Arial"/>
+            </a:endParaRPr>
+          </a:p>
           <a:p>
             <a:pPr algn="r"/>
             <a:r>
@@ -14106,8 +14346,39 @@
                 <a:latin typeface="Arial" panose="020B0604020202020204" pitchFamily="34" charset="0"/>
                 <a:cs typeface="Arial" panose="020B0604020202020204" pitchFamily="34" charset="0"/>
               </a:rPr>
-              <a:t>Exécution d’une ligne de code : Ctrl + entrée</a:t>
-            </a:r>
+              <a:t>Exécution d’une ligne de code dans le volet Editeur : Ctrl + entrée</a:t>
+            </a:r>
+          </a:p>
+          <a:p>
+            <a:pPr algn="r"/>
+            <a:endParaRPr lang="fr-FR" sz="1400" dirty="0">
+              <a:latin typeface="Arial" panose="020B0604020202020204" pitchFamily="34" charset="0"/>
+              <a:cs typeface="Arial" panose="020B0604020202020204" pitchFamily="34" charset="0"/>
+            </a:endParaRPr>
+          </a:p>
+          <a:p>
+            <a:pPr algn="r"/>
+            <a:r>
+              <a:rPr lang="fr-FR" sz="1400" dirty="0" err="1">
+                <a:latin typeface="Arial" panose="020B0604020202020204" pitchFamily="34" charset="0"/>
+                <a:cs typeface="Arial" panose="020B0604020202020204" pitchFamily="34" charset="0"/>
+              </a:rPr>
+              <a:t>Autocomplétion</a:t>
+            </a:r>
+            <a:r>
+              <a:rPr lang="fr-FR" sz="1400" dirty="0">
+                <a:latin typeface="Arial" panose="020B0604020202020204" pitchFamily="34" charset="0"/>
+                <a:cs typeface="Arial" panose="020B0604020202020204" pitchFamily="34" charset="0"/>
+              </a:rPr>
+              <a:t> : Tab</a:t>
+            </a:r>
+          </a:p>
+          <a:p>
+            <a:pPr algn="r"/>
+            <a:endParaRPr lang="fr-FR" sz="1400" dirty="0">
+              <a:latin typeface="Arial"/>
+              <a:cs typeface="Arial"/>
+            </a:endParaRPr>
           </a:p>
         </p:txBody>
       </p:sp>
